--- a/Presentation Slides/Presentation 5.pptx
+++ b/Presentation Slides/Presentation 5.pptx
@@ -18,10 +18,9 @@
     <p:sldId id="277" r:id="rId12"/>
     <p:sldId id="283" r:id="rId13"/>
     <p:sldId id="262" r:id="rId14"/>
-    <p:sldId id="274" r:id="rId15"/>
-    <p:sldId id="265" r:id="rId16"/>
-    <p:sldId id="269" r:id="rId17"/>
-    <p:sldId id="278" r:id="rId18"/>
+    <p:sldId id="265" r:id="rId15"/>
+    <p:sldId id="269" r:id="rId16"/>
+    <p:sldId id="278" r:id="rId17"/>
   </p:sldIdLst>
   <p:sldSz cx="9144000" cy="6858000" type="screen4x3"/>
   <p:notesSz cx="6858000" cy="9144000"/>
@@ -120,6 +119,22 @@
       </a:defRPr>
     </a:lvl9pPr>
   </p:defaultTextStyle>
+  <p:extLst>
+    <p:ext uri="{EFAFB233-063F-42B5-8137-9DF3F51BA10A}">
+      <p15:sldGuideLst xmlns:p15="http://schemas.microsoft.com/office/powerpoint/2012/main" xmlns="">
+        <p15:guide id="1" orient="horz" pos="2160">
+          <p15:clr>
+            <a:srgbClr val="A4A3A4"/>
+          </p15:clr>
+        </p15:guide>
+        <p15:guide id="2" pos="2880">
+          <p15:clr>
+            <a:srgbClr val="A4A3A4"/>
+          </p15:clr>
+        </p15:guide>
+      </p15:sldGuideLst>
+    </p:ext>
+  </p:extLst>
 </p:presentation>
 </file>
 
@@ -304,7 +319,7 @@
           <a:p>
             <a:fld id="{8F6AC1CF-67FB-4D59-BAA5-1B03B95FE3AB}" type="datetimeFigureOut">
               <a:rPr lang="en-US" smtClean="0"/>
-              <a:t>4/5/2015</a:t>
+              <a:t>4/6/2015</a:t>
             </a:fld>
             <a:endParaRPr lang="en-US"/>
           </a:p>
@@ -474,7 +489,7 @@
           <a:p>
             <a:fld id="{8F6AC1CF-67FB-4D59-BAA5-1B03B95FE3AB}" type="datetimeFigureOut">
               <a:rPr lang="en-US" smtClean="0"/>
-              <a:t>4/5/2015</a:t>
+              <a:t>4/6/2015</a:t>
             </a:fld>
             <a:endParaRPr lang="en-US"/>
           </a:p>
@@ -654,7 +669,7 @@
           <a:p>
             <a:fld id="{8F6AC1CF-67FB-4D59-BAA5-1B03B95FE3AB}" type="datetimeFigureOut">
               <a:rPr lang="en-US" smtClean="0"/>
-              <a:t>4/5/2015</a:t>
+              <a:t>4/6/2015</a:t>
             </a:fld>
             <a:endParaRPr lang="en-US"/>
           </a:p>
@@ -824,7 +839,7 @@
           <a:p>
             <a:fld id="{8F6AC1CF-67FB-4D59-BAA5-1B03B95FE3AB}" type="datetimeFigureOut">
               <a:rPr lang="en-US" smtClean="0"/>
-              <a:t>4/5/2015</a:t>
+              <a:t>4/6/2015</a:t>
             </a:fld>
             <a:endParaRPr lang="en-US"/>
           </a:p>
@@ -1070,7 +1085,7 @@
           <a:p>
             <a:fld id="{8F6AC1CF-67FB-4D59-BAA5-1B03B95FE3AB}" type="datetimeFigureOut">
               <a:rPr lang="en-US" smtClean="0"/>
-              <a:t>4/5/2015</a:t>
+              <a:t>4/6/2015</a:t>
             </a:fld>
             <a:endParaRPr lang="en-US"/>
           </a:p>
@@ -1358,7 +1373,7 @@
           <a:p>
             <a:fld id="{8F6AC1CF-67FB-4D59-BAA5-1B03B95FE3AB}" type="datetimeFigureOut">
               <a:rPr lang="en-US" smtClean="0"/>
-              <a:t>4/5/2015</a:t>
+              <a:t>4/6/2015</a:t>
             </a:fld>
             <a:endParaRPr lang="en-US"/>
           </a:p>
@@ -1780,7 +1795,7 @@
           <a:p>
             <a:fld id="{8F6AC1CF-67FB-4D59-BAA5-1B03B95FE3AB}" type="datetimeFigureOut">
               <a:rPr lang="en-US" smtClean="0"/>
-              <a:t>4/5/2015</a:t>
+              <a:t>4/6/2015</a:t>
             </a:fld>
             <a:endParaRPr lang="en-US"/>
           </a:p>
@@ -1898,7 +1913,7 @@
           <a:p>
             <a:fld id="{8F6AC1CF-67FB-4D59-BAA5-1B03B95FE3AB}" type="datetimeFigureOut">
               <a:rPr lang="en-US" smtClean="0"/>
-              <a:t>4/5/2015</a:t>
+              <a:t>4/6/2015</a:t>
             </a:fld>
             <a:endParaRPr lang="en-US"/>
           </a:p>
@@ -1993,7 +2008,7 @@
           <a:p>
             <a:fld id="{8F6AC1CF-67FB-4D59-BAA5-1B03B95FE3AB}" type="datetimeFigureOut">
               <a:rPr lang="en-US" smtClean="0"/>
-              <a:t>4/5/2015</a:t>
+              <a:t>4/6/2015</a:t>
             </a:fld>
             <a:endParaRPr lang="en-US"/>
           </a:p>
@@ -2270,7 +2285,7 @@
           <a:p>
             <a:fld id="{8F6AC1CF-67FB-4D59-BAA5-1B03B95FE3AB}" type="datetimeFigureOut">
               <a:rPr lang="en-US" smtClean="0"/>
-              <a:t>4/5/2015</a:t>
+              <a:t>4/6/2015</a:t>
             </a:fld>
             <a:endParaRPr lang="en-US"/>
           </a:p>
@@ -2523,7 +2538,7 @@
           <a:p>
             <a:fld id="{8F6AC1CF-67FB-4D59-BAA5-1B03B95FE3AB}" type="datetimeFigureOut">
               <a:rPr lang="en-US" smtClean="0"/>
-              <a:t>4/5/2015</a:t>
+              <a:t>4/6/2015</a:t>
             </a:fld>
             <a:endParaRPr lang="en-US"/>
           </a:p>
@@ -2736,7 +2751,7 @@
           <a:p>
             <a:fld id="{8F6AC1CF-67FB-4D59-BAA5-1B03B95FE3AB}" type="datetimeFigureOut">
               <a:rPr lang="en-US" smtClean="0"/>
-              <a:t>4/5/2015</a:t>
+              <a:t>4/6/2015</a:t>
             </a:fld>
             <a:endParaRPr lang="en-US"/>
           </a:p>
@@ -3128,7 +3143,11 @@
           <a:p>
             <a:r>
               <a:rPr lang="en-US" dirty="0" smtClean="0"/>
-              <a:t>Drug designer database</a:t>
+              <a:t>Drug </a:t>
+            </a:r>
+            <a:r>
+              <a:rPr lang="en-US" dirty="0" smtClean="0"/>
+              <a:t>designer database</a:t>
             </a:r>
             <a:endParaRPr lang="en-US" dirty="0"/>
           </a:p>
@@ -3233,6 +3252,60 @@
           </a:p>
         </p:txBody>
       </p:sp>
+      <p:pic>
+        <p:nvPicPr>
+          <p:cNvPr id="1026" name="Picture 2"/>
+          <p:cNvPicPr>
+            <a:picLocks noChangeAspect="1" noChangeArrowheads="1"/>
+          </p:cNvPicPr>
+          <p:nvPr/>
+        </p:nvPicPr>
+        <p:blipFill>
+          <a:blip r:embed="rId2">
+            <a:extLst>
+              <a:ext uri="{28A0092B-C50C-407E-A947-70E740481C1C}">
+                <a14:useLocalDpi xmlns:a14="http://schemas.microsoft.com/office/drawing/2010/main" val="0"/>
+              </a:ext>
+            </a:extLst>
+          </a:blip>
+          <a:srcRect/>
+          <a:stretch>
+            <a:fillRect/>
+          </a:stretch>
+        </p:blipFill>
+        <p:spPr bwMode="auto">
+          <a:xfrm>
+            <a:off x="457200" y="1676400"/>
+            <a:ext cx="8216092" cy="3810000"/>
+          </a:xfrm>
+          <a:prstGeom prst="rect">
+            <a:avLst/>
+          </a:prstGeom>
+          <a:noFill/>
+          <a:ln>
+            <a:noFill/>
+          </a:ln>
+          <a:extLst>
+            <a:ext uri="{909E8E84-426E-40DD-AFC4-6F175D3DCCD1}">
+              <a14:hiddenFill xmlns:a14="http://schemas.microsoft.com/office/drawing/2010/main">
+                <a:solidFill>
+                  <a:schemeClr val="accent1"/>
+                </a:solidFill>
+              </a14:hiddenFill>
+            </a:ext>
+            <a:ext uri="{91240B29-F687-4F45-9708-019B960494DF}">
+              <a14:hiddenLine xmlns:a14="http://schemas.microsoft.com/office/drawing/2010/main" w="9525">
+                <a:solidFill>
+                  <a:schemeClr val="tx1"/>
+                </a:solidFill>
+                <a:miter lim="800000"/>
+                <a:headEnd/>
+                <a:tailEnd/>
+              </a14:hiddenLine>
+            </a:ext>
+          </a:extLst>
+        </p:spPr>
+      </p:pic>
     </p:spTree>
     <p:extLst>
       <p:ext uri="{BB962C8B-B14F-4D97-AF65-F5344CB8AC3E}">
@@ -3293,6 +3366,30 @@
           </a:p>
         </p:txBody>
       </p:sp>
+      <p:pic>
+        <p:nvPicPr>
+          <p:cNvPr id="3" name="Picture 2"/>
+          <p:cNvPicPr>
+            <a:picLocks noChangeAspect="1"/>
+          </p:cNvPicPr>
+          <p:nvPr/>
+        </p:nvPicPr>
+        <p:blipFill>
+          <a:blip r:embed="rId2"/>
+          <a:stretch>
+            <a:fillRect/>
+          </a:stretch>
+        </p:blipFill>
+        <p:spPr>
+          <a:xfrm>
+            <a:off x="533400" y="2209800"/>
+            <a:ext cx="8333747" cy="3124200"/>
+          </a:xfrm>
+          <a:prstGeom prst="rect">
+            <a:avLst/>
+          </a:prstGeom>
+        </p:spPr>
+      </p:pic>
     </p:spTree>
     <p:extLst>
       <p:ext uri="{BB962C8B-B14F-4D97-AF65-F5344CB8AC3E}">
@@ -3417,7 +3514,7 @@
         <p:spPr/>
         <p:txBody>
           <a:bodyPr>
-            <a:normAutofit/>
+            <a:normAutofit fontScale="85000" lnSpcReduction="20000"/>
           </a:bodyPr>
           <a:lstStyle/>
           <a:p>
@@ -3464,7 +3561,36 @@
               <a:rPr lang="en-US" dirty="0" smtClean="0"/>
               <a:t>Design Document </a:t>
             </a:r>
-            <a:endParaRPr lang="en-US" dirty="0" smtClean="0"/>
+          </a:p>
+          <a:p>
+            <a:pPr marL="0" indent="0">
+              <a:buNone/>
+            </a:pPr>
+            <a:endParaRPr lang="en-US" dirty="0"/>
+          </a:p>
+          <a:p>
+            <a:pPr marL="0" indent="0">
+              <a:buNone/>
+            </a:pPr>
+            <a:r>
+              <a:rPr lang="en-US" dirty="0" smtClean="0"/>
+              <a:t>User Manual</a:t>
+            </a:r>
+          </a:p>
+          <a:p>
+            <a:pPr marL="0" indent="0">
+              <a:buNone/>
+            </a:pPr>
+            <a:endParaRPr lang="en-US" dirty="0"/>
+          </a:p>
+          <a:p>
+            <a:pPr marL="0" indent="0">
+              <a:buNone/>
+            </a:pPr>
+            <a:r>
+              <a:rPr lang="en-US" dirty="0" smtClean="0"/>
+              <a:t>Installation guide</a:t>
+            </a:r>
           </a:p>
         </p:txBody>
       </p:sp>
@@ -3521,102 +3647,12 @@
           <a:lstStyle/>
           <a:p>
             <a:r>
-              <a:rPr lang="en-US" dirty="0" smtClean="0"/>
-              <a:t>Use Case Diagram</a:t>
-            </a:r>
-            <a:endParaRPr lang="en-US" dirty="0"/>
-          </a:p>
-        </p:txBody>
-      </p:sp>
-      <p:pic>
-        <p:nvPicPr>
-          <p:cNvPr id="4" name="Picture 3"/>
-          <p:cNvPicPr/>
-          <p:nvPr/>
-        </p:nvPicPr>
-        <p:blipFill>
-          <a:blip r:embed="rId2">
-            <a:extLst>
-              <a:ext uri="{28A0092B-C50C-407E-A947-70E740481C1C}">
-                <a14:useLocalDpi xmlns:a14="http://schemas.microsoft.com/office/drawing/2010/main" val="0"/>
-              </a:ext>
-            </a:extLst>
-          </a:blip>
-          <a:srcRect/>
-          <a:stretch>
-            <a:fillRect/>
-          </a:stretch>
-        </p:blipFill>
-        <p:spPr bwMode="auto">
-          <a:xfrm>
-            <a:off x="2286000" y="1181105"/>
-            <a:ext cx="3738880" cy="5753095"/>
-          </a:xfrm>
-          <a:prstGeom prst="rect">
-            <a:avLst/>
-          </a:prstGeom>
-          <a:noFill/>
-          <a:ln>
-            <a:noFill/>
-          </a:ln>
-        </p:spPr>
-      </p:pic>
-    </p:spTree>
-    <p:extLst>
-      <p:ext uri="{BB962C8B-B14F-4D97-AF65-F5344CB8AC3E}">
-        <p14:creationId xmlns:p14="http://schemas.microsoft.com/office/powerpoint/2010/main" val="3238787736"/>
-      </p:ext>
-    </p:extLst>
-  </p:cSld>
-  <p:clrMapOvr>
-    <a:masterClrMapping/>
-  </p:clrMapOvr>
-</p:sld>
-</file>
-
-<file path=ppt/slides/slide15.xml><?xml version="1.0" encoding="utf-8"?>
-<p:sld xmlns:a="http://schemas.openxmlformats.org/drawingml/2006/main" xmlns:r="http://schemas.openxmlformats.org/officeDocument/2006/relationships" xmlns:p="http://schemas.openxmlformats.org/presentationml/2006/main">
-  <p:cSld>
-    <p:spTree>
-      <p:nvGrpSpPr>
-        <p:cNvPr id="1" name=""/>
-        <p:cNvGrpSpPr/>
-        <p:nvPr/>
-      </p:nvGrpSpPr>
-      <p:grpSpPr>
-        <a:xfrm>
-          <a:off x="0" y="0"/>
-          <a:ext cx="0" cy="0"/>
-          <a:chOff x="0" y="0"/>
-          <a:chExt cx="0" cy="0"/>
-        </a:xfrm>
-      </p:grpSpPr>
-      <p:sp>
-        <p:nvSpPr>
-          <p:cNvPr id="2" name="Title 1"/>
-          <p:cNvSpPr>
-            <a:spLocks noGrp="1"/>
-          </p:cNvSpPr>
-          <p:nvPr>
-            <p:ph type="title"/>
-          </p:nvPr>
-        </p:nvSpPr>
-        <p:spPr/>
-        <p:txBody>
-          <a:bodyPr/>
-          <a:lstStyle/>
-          <a:p>
-            <a:r>
               <a:rPr lang="en-US" dirty="0" err="1" smtClean="0"/>
               <a:t>BurnUP</a:t>
             </a:r>
             <a:r>
               <a:rPr lang="en-US" dirty="0" smtClean="0"/>
-              <a:t> </a:t>
-            </a:r>
-            <a:r>
-              <a:rPr lang="en-US" dirty="0" smtClean="0"/>
-              <a:t>Chart</a:t>
+              <a:t> Chart</a:t>
             </a:r>
             <a:endParaRPr lang="en-US" dirty="0"/>
           </a:p>
@@ -3696,7 +3732,7 @@
 </p:sld>
 </file>
 
-<file path=ppt/slides/slide16.xml><?xml version="1.0" encoding="utf-8"?>
+<file path=ppt/slides/slide15.xml><?xml version="1.0" encoding="utf-8"?>
 <p:sld xmlns:a="http://schemas.openxmlformats.org/drawingml/2006/main" xmlns:r="http://schemas.openxmlformats.org/officeDocument/2006/relationships" xmlns:p="http://schemas.openxmlformats.org/presentationml/2006/main">
   <p:cSld>
     <p:spTree>
@@ -4094,7 +4130,7 @@
 </p:sld>
 </file>
 
-<file path=ppt/slides/slide17.xml><?xml version="1.0" encoding="utf-8"?>
+<file path=ppt/slides/slide16.xml><?xml version="1.0" encoding="utf-8"?>
 <p:sld xmlns:a="http://schemas.openxmlformats.org/drawingml/2006/main" xmlns:r="http://schemas.openxmlformats.org/officeDocument/2006/relationships" xmlns:p="http://schemas.openxmlformats.org/presentationml/2006/main">
   <p:cSld>
     <p:spTree>
@@ -4446,7 +4482,7 @@
             </a:r>
             <a:r>
               <a:rPr lang="en-US" dirty="0" smtClean="0"/>
-              <a:t>3</a:t>
+              <a:t>4</a:t>
             </a:r>
             <a:endParaRPr lang="en-US" dirty="0"/>
           </a:p>
@@ -4478,24 +4514,12 @@
               <a:rPr lang="en-US" dirty="0" smtClean="0"/>
               <a:t>43</a:t>
             </a:r>
-            <a:r>
-              <a:rPr lang="en-US" dirty="0" smtClean="0"/>
-              <a:t/>
-            </a:r>
             <a:br>
               <a:rPr lang="en-US" dirty="0" smtClean="0"/>
             </a:br>
             <a:r>
               <a:rPr lang="en-US" dirty="0" smtClean="0"/>
-              <a:t>----  =   </a:t>
-            </a:r>
-            <a:r>
-              <a:rPr lang="en-US" dirty="0" smtClean="0"/>
-              <a:t>1.08 </a:t>
-            </a:r>
-            <a:r>
-              <a:rPr lang="en-US" dirty="0" smtClean="0"/>
-              <a:t>points per hour</a:t>
+              <a:t>----  =   1.08 points per hour</a:t>
             </a:r>
             <a:br>
               <a:rPr lang="en-US" dirty="0" smtClean="0"/>
@@ -6461,15 +6485,7 @@
             </a:r>
             <a:r>
               <a:rPr lang="en-US" dirty="0" smtClean="0"/>
-              <a:t> </a:t>
-            </a:r>
-            <a:r>
-              <a:rPr lang="en-US" dirty="0" smtClean="0"/>
-              <a:t>Use </a:t>
-            </a:r>
-            <a:r>
-              <a:rPr lang="en-US" dirty="0" smtClean="0"/>
-              <a:t>Case</a:t>
+              <a:t> Use Case</a:t>
             </a:r>
             <a:endParaRPr lang="en-US" dirty="0"/>
           </a:p>
@@ -6491,7 +6507,7 @@
         </p:nvGraphicFramePr>
         <p:xfrm>
           <a:off x="838200" y="1143000"/>
-          <a:ext cx="7543800" cy="5242983"/>
+          <a:ext cx="7543800" cy="5325279"/>
         </p:xfrm>
         <a:graphic>
           <a:graphicData uri="http://schemas.openxmlformats.org/drawingml/2006/table">
